--- a/RPG게임 개발 계획.pptx
+++ b/RPG게임 개발 계획.pptx
@@ -248,7 +248,7 @@
           <a:p>
             <a:fld id="{98015E9E-48EA-4419-B7DB-9983044B9605}" type="datetimeFigureOut">
               <a:rPr lang="ko-KR" altLang="en-US" smtClean="0"/>
-              <a:t>2017-10-13</a:t>
+              <a:t>2017-10-16</a:t>
             </a:fld>
             <a:endParaRPr lang="ko-KR" altLang="en-US"/>
           </a:p>
@@ -418,7 +418,7 @@
           <a:p>
             <a:fld id="{98015E9E-48EA-4419-B7DB-9983044B9605}" type="datetimeFigureOut">
               <a:rPr lang="ko-KR" altLang="en-US" smtClean="0"/>
-              <a:t>2017-10-13</a:t>
+              <a:t>2017-10-16</a:t>
             </a:fld>
             <a:endParaRPr lang="ko-KR" altLang="en-US"/>
           </a:p>
@@ -598,7 +598,7 @@
           <a:p>
             <a:fld id="{98015E9E-48EA-4419-B7DB-9983044B9605}" type="datetimeFigureOut">
               <a:rPr lang="ko-KR" altLang="en-US" smtClean="0"/>
-              <a:t>2017-10-13</a:t>
+              <a:t>2017-10-16</a:t>
             </a:fld>
             <a:endParaRPr lang="ko-KR" altLang="en-US"/>
           </a:p>
@@ -768,7 +768,7 @@
           <a:p>
             <a:fld id="{98015E9E-48EA-4419-B7DB-9983044B9605}" type="datetimeFigureOut">
               <a:rPr lang="ko-KR" altLang="en-US" smtClean="0"/>
-              <a:t>2017-10-13</a:t>
+              <a:t>2017-10-16</a:t>
             </a:fld>
             <a:endParaRPr lang="ko-KR" altLang="en-US"/>
           </a:p>
@@ -1014,7 +1014,7 @@
           <a:p>
             <a:fld id="{98015E9E-48EA-4419-B7DB-9983044B9605}" type="datetimeFigureOut">
               <a:rPr lang="ko-KR" altLang="en-US" smtClean="0"/>
-              <a:t>2017-10-13</a:t>
+              <a:t>2017-10-16</a:t>
             </a:fld>
             <a:endParaRPr lang="ko-KR" altLang="en-US"/>
           </a:p>
@@ -1246,7 +1246,7 @@
           <a:p>
             <a:fld id="{98015E9E-48EA-4419-B7DB-9983044B9605}" type="datetimeFigureOut">
               <a:rPr lang="ko-KR" altLang="en-US" smtClean="0"/>
-              <a:t>2017-10-13</a:t>
+              <a:t>2017-10-16</a:t>
             </a:fld>
             <a:endParaRPr lang="ko-KR" altLang="en-US"/>
           </a:p>
@@ -1613,7 +1613,7 @@
           <a:p>
             <a:fld id="{98015E9E-48EA-4419-B7DB-9983044B9605}" type="datetimeFigureOut">
               <a:rPr lang="ko-KR" altLang="en-US" smtClean="0"/>
-              <a:t>2017-10-13</a:t>
+              <a:t>2017-10-16</a:t>
             </a:fld>
             <a:endParaRPr lang="ko-KR" altLang="en-US"/>
           </a:p>
@@ -1731,7 +1731,7 @@
           <a:p>
             <a:fld id="{98015E9E-48EA-4419-B7DB-9983044B9605}" type="datetimeFigureOut">
               <a:rPr lang="ko-KR" altLang="en-US" smtClean="0"/>
-              <a:t>2017-10-13</a:t>
+              <a:t>2017-10-16</a:t>
             </a:fld>
             <a:endParaRPr lang="ko-KR" altLang="en-US"/>
           </a:p>
@@ -1826,7 +1826,7 @@
           <a:p>
             <a:fld id="{98015E9E-48EA-4419-B7DB-9983044B9605}" type="datetimeFigureOut">
               <a:rPr lang="ko-KR" altLang="en-US" smtClean="0"/>
-              <a:t>2017-10-13</a:t>
+              <a:t>2017-10-16</a:t>
             </a:fld>
             <a:endParaRPr lang="ko-KR" altLang="en-US"/>
           </a:p>
@@ -2103,7 +2103,7 @@
           <a:p>
             <a:fld id="{98015E9E-48EA-4419-B7DB-9983044B9605}" type="datetimeFigureOut">
               <a:rPr lang="ko-KR" altLang="en-US" smtClean="0"/>
-              <a:t>2017-10-13</a:t>
+              <a:t>2017-10-16</a:t>
             </a:fld>
             <a:endParaRPr lang="ko-KR" altLang="en-US"/>
           </a:p>
@@ -2356,7 +2356,7 @@
           <a:p>
             <a:fld id="{98015E9E-48EA-4419-B7DB-9983044B9605}" type="datetimeFigureOut">
               <a:rPr lang="ko-KR" altLang="en-US" smtClean="0"/>
-              <a:t>2017-10-13</a:t>
+              <a:t>2017-10-16</a:t>
             </a:fld>
             <a:endParaRPr lang="ko-KR" altLang="en-US"/>
           </a:p>
@@ -2569,7 +2569,7 @@
           <a:p>
             <a:fld id="{98015E9E-48EA-4419-B7DB-9983044B9605}" type="datetimeFigureOut">
               <a:rPr lang="ko-KR" altLang="en-US" smtClean="0"/>
-              <a:t>2017-10-13</a:t>
+              <a:t>2017-10-16</a:t>
             </a:fld>
             <a:endParaRPr lang="ko-KR" altLang="en-US"/>
           </a:p>
@@ -3024,6 +3024,10 @@
               <a:rPr lang="ko-KR" altLang="en-US" dirty="0" err="1" smtClean="0"/>
               <a:t>강래민</a:t>
             </a:r>
+            <a:r>
+              <a:rPr lang="ko-KR" altLang="en-US" smtClean="0"/>
+              <a:t> </a:t>
+            </a:r>
             <a:endParaRPr lang="ko-KR" altLang="en-US" dirty="0"/>
           </a:p>
         </p:txBody>
@@ -3377,11 +3381,7 @@
             </a:r>
             <a:r>
               <a:rPr lang="ko-KR" altLang="en-US" smtClean="0"/>
-              <a:t>활 </a:t>
-            </a:r>
-            <a:r>
-              <a:rPr lang="ko-KR" altLang="en-US" smtClean="0"/>
-              <a:t>장전</a:t>
+              <a:t>활 장전</a:t>
             </a:r>
             <a:endParaRPr lang="en-US" altLang="ko-KR" dirty="0" smtClean="0"/>
           </a:p>
